--- a/webapp/appclient/src/app/dependancy map.pptx
+++ b/webapp/appclient/src/app/dependancy map.pptx
@@ -64,7 +64,7 @@
         <p:spPr>
           <a:xfrm>
             <a:off x="504000" y="226080"/>
-            <a:ext cx="9071280" cy="946080"/>
+            <a:ext cx="9070920" cy="945720"/>
           </a:xfrm>
           <a:prstGeom prst="rect">
             <a:avLst/>
@@ -95,7 +95,7 @@
         <p:spPr>
           <a:xfrm>
             <a:off x="504000" y="1326600"/>
-            <a:ext cx="9072000" cy="1568520"/>
+            <a:ext cx="9071640" cy="1568160"/>
           </a:xfrm>
           <a:prstGeom prst="rect">
             <a:avLst/>
@@ -124,8 +124,8 @@
         </p:nvSpPr>
         <p:spPr>
           <a:xfrm>
-            <a:off x="504000" y="3044520"/>
-            <a:ext cx="9072000" cy="1568520"/>
+            <a:off x="504000" y="3044160"/>
+            <a:ext cx="9071640" cy="1568160"/>
           </a:xfrm>
           <a:prstGeom prst="rect">
             <a:avLst/>
@@ -177,7 +177,7 @@
         <p:spPr>
           <a:xfrm>
             <a:off x="504000" y="226080"/>
-            <a:ext cx="9071280" cy="946080"/>
+            <a:ext cx="9070920" cy="945720"/>
           </a:xfrm>
           <a:prstGeom prst="rect">
             <a:avLst/>
@@ -208,7 +208,7 @@
         <p:spPr>
           <a:xfrm>
             <a:off x="504000" y="1326600"/>
-            <a:ext cx="4426920" cy="1568520"/>
+            <a:ext cx="4426920" cy="1568160"/>
           </a:xfrm>
           <a:prstGeom prst="rect">
             <a:avLst/>
@@ -238,7 +238,7 @@
         <p:spPr>
           <a:xfrm>
             <a:off x="5152680" y="1326600"/>
-            <a:ext cx="4426920" cy="1568520"/>
+            <a:ext cx="4426920" cy="1568160"/>
           </a:xfrm>
           <a:prstGeom prst="rect">
             <a:avLst/>
@@ -267,8 +267,8 @@
         </p:nvSpPr>
         <p:spPr>
           <a:xfrm>
-            <a:off x="504000" y="3044520"/>
-            <a:ext cx="4426920" cy="1568520"/>
+            <a:off x="504000" y="3044160"/>
+            <a:ext cx="4426920" cy="1568160"/>
           </a:xfrm>
           <a:prstGeom prst="rect">
             <a:avLst/>
@@ -297,8 +297,8 @@
         </p:nvSpPr>
         <p:spPr>
           <a:xfrm>
-            <a:off x="5152680" y="3044520"/>
-            <a:ext cx="4426920" cy="1568520"/>
+            <a:off x="5152680" y="3044160"/>
+            <a:ext cx="4426920" cy="1568160"/>
           </a:xfrm>
           <a:prstGeom prst="rect">
             <a:avLst/>
@@ -350,7 +350,7 @@
         <p:spPr>
           <a:xfrm>
             <a:off x="504000" y="226080"/>
-            <a:ext cx="9071280" cy="946080"/>
+            <a:ext cx="9070920" cy="945720"/>
           </a:xfrm>
           <a:prstGeom prst="rect">
             <a:avLst/>
@@ -381,7 +381,7 @@
         <p:spPr>
           <a:xfrm>
             <a:off x="504000" y="1326600"/>
-            <a:ext cx="2921040" cy="1568520"/>
+            <a:ext cx="2920680" cy="1568160"/>
           </a:xfrm>
           <a:prstGeom prst="rect">
             <a:avLst/>
@@ -410,8 +410,8 @@
         </p:nvSpPr>
         <p:spPr>
           <a:xfrm>
-            <a:off x="3571560" y="1326600"/>
-            <a:ext cx="2921040" cy="1568520"/>
+            <a:off x="3571200" y="1326600"/>
+            <a:ext cx="2920680" cy="1568160"/>
           </a:xfrm>
           <a:prstGeom prst="rect">
             <a:avLst/>
@@ -440,8 +440,8 @@
         </p:nvSpPr>
         <p:spPr>
           <a:xfrm>
-            <a:off x="6639120" y="1326600"/>
-            <a:ext cx="2921040" cy="1568520"/>
+            <a:off x="6638040" y="1326600"/>
+            <a:ext cx="2920680" cy="1568160"/>
           </a:xfrm>
           <a:prstGeom prst="rect">
             <a:avLst/>
@@ -470,8 +470,8 @@
         </p:nvSpPr>
         <p:spPr>
           <a:xfrm>
-            <a:off x="504000" y="3044520"/>
-            <a:ext cx="2921040" cy="1568520"/>
+            <a:off x="504000" y="3044160"/>
+            <a:ext cx="2920680" cy="1568160"/>
           </a:xfrm>
           <a:prstGeom prst="rect">
             <a:avLst/>
@@ -500,8 +500,8 @@
         </p:nvSpPr>
         <p:spPr>
           <a:xfrm>
-            <a:off x="3571560" y="3044520"/>
-            <a:ext cx="2921040" cy="1568520"/>
+            <a:off x="3571200" y="3044160"/>
+            <a:ext cx="2920680" cy="1568160"/>
           </a:xfrm>
           <a:prstGeom prst="rect">
             <a:avLst/>
@@ -530,8 +530,8 @@
         </p:nvSpPr>
         <p:spPr>
           <a:xfrm>
-            <a:off x="6639120" y="3044520"/>
-            <a:ext cx="2921040" cy="1568520"/>
+            <a:off x="6638040" y="3044160"/>
+            <a:ext cx="2920680" cy="1568160"/>
           </a:xfrm>
           <a:prstGeom prst="rect">
             <a:avLst/>
@@ -583,7 +583,7 @@
         <p:spPr>
           <a:xfrm>
             <a:off x="504000" y="226080"/>
-            <a:ext cx="9071280" cy="946080"/>
+            <a:ext cx="9070920" cy="945720"/>
           </a:xfrm>
           <a:prstGeom prst="rect">
             <a:avLst/>
@@ -614,7 +614,7 @@
         <p:spPr>
           <a:xfrm>
             <a:off x="504000" y="1326600"/>
-            <a:ext cx="9072000" cy="3288600"/>
+            <a:ext cx="9071640" cy="3288240"/>
           </a:xfrm>
           <a:prstGeom prst="rect">
             <a:avLst/>
@@ -667,7 +667,7 @@
         <p:spPr>
           <a:xfrm>
             <a:off x="504000" y="226080"/>
-            <a:ext cx="9071280" cy="946080"/>
+            <a:ext cx="9070920" cy="945720"/>
           </a:xfrm>
           <a:prstGeom prst="rect">
             <a:avLst/>
@@ -698,7 +698,7 @@
         <p:spPr>
           <a:xfrm>
             <a:off x="504000" y="1326600"/>
-            <a:ext cx="9072000" cy="3288600"/>
+            <a:ext cx="9071640" cy="3288240"/>
           </a:xfrm>
           <a:prstGeom prst="rect">
             <a:avLst/>
@@ -750,7 +750,7 @@
         <p:spPr>
           <a:xfrm>
             <a:off x="504000" y="226080"/>
-            <a:ext cx="9071280" cy="946080"/>
+            <a:ext cx="9070920" cy="945720"/>
           </a:xfrm>
           <a:prstGeom prst="rect">
             <a:avLst/>
@@ -781,7 +781,7 @@
         <p:spPr>
           <a:xfrm>
             <a:off x="504000" y="1326600"/>
-            <a:ext cx="4426920" cy="3288600"/>
+            <a:ext cx="4426920" cy="3288240"/>
           </a:xfrm>
           <a:prstGeom prst="rect">
             <a:avLst/>
@@ -811,7 +811,7 @@
         <p:spPr>
           <a:xfrm>
             <a:off x="5152680" y="1326600"/>
-            <a:ext cx="4426920" cy="3288600"/>
+            <a:ext cx="4426920" cy="3288240"/>
           </a:xfrm>
           <a:prstGeom prst="rect">
             <a:avLst/>
@@ -863,7 +863,7 @@
         <p:spPr>
           <a:xfrm>
             <a:off x="504000" y="226080"/>
-            <a:ext cx="9071280" cy="946080"/>
+            <a:ext cx="9070920" cy="945720"/>
           </a:xfrm>
           <a:prstGeom prst="rect">
             <a:avLst/>
@@ -916,7 +916,7 @@
         <p:spPr>
           <a:xfrm>
             <a:off x="504000" y="226080"/>
-            <a:ext cx="9071280" cy="4386600"/>
+            <a:ext cx="9070920" cy="4385160"/>
           </a:xfrm>
           <a:prstGeom prst="rect">
             <a:avLst/>
@@ -969,7 +969,7 @@
         <p:spPr>
           <a:xfrm>
             <a:off x="504000" y="226080"/>
-            <a:ext cx="9071280" cy="946080"/>
+            <a:ext cx="9070920" cy="945720"/>
           </a:xfrm>
           <a:prstGeom prst="rect">
             <a:avLst/>
@@ -1000,7 +1000,7 @@
         <p:spPr>
           <a:xfrm>
             <a:off x="504000" y="1326600"/>
-            <a:ext cx="4426920" cy="1568520"/>
+            <a:ext cx="4426920" cy="1568160"/>
           </a:xfrm>
           <a:prstGeom prst="rect">
             <a:avLst/>
@@ -1030,7 +1030,7 @@
         <p:spPr>
           <a:xfrm>
             <a:off x="5152680" y="1326600"/>
-            <a:ext cx="4426920" cy="3288600"/>
+            <a:ext cx="4426920" cy="3288240"/>
           </a:xfrm>
           <a:prstGeom prst="rect">
             <a:avLst/>
@@ -1059,8 +1059,8 @@
         </p:nvSpPr>
         <p:spPr>
           <a:xfrm>
-            <a:off x="504000" y="3044520"/>
-            <a:ext cx="4426920" cy="1568520"/>
+            <a:off x="504000" y="3044160"/>
+            <a:ext cx="4426920" cy="1568160"/>
           </a:xfrm>
           <a:prstGeom prst="rect">
             <a:avLst/>
@@ -1112,7 +1112,7 @@
         <p:spPr>
           <a:xfrm>
             <a:off x="504000" y="226080"/>
-            <a:ext cx="9071280" cy="946080"/>
+            <a:ext cx="9070920" cy="945720"/>
           </a:xfrm>
           <a:prstGeom prst="rect">
             <a:avLst/>
@@ -1143,7 +1143,7 @@
         <p:spPr>
           <a:xfrm>
             <a:off x="504000" y="1326600"/>
-            <a:ext cx="4426920" cy="3288600"/>
+            <a:ext cx="4426920" cy="3288240"/>
           </a:xfrm>
           <a:prstGeom prst="rect">
             <a:avLst/>
@@ -1173,7 +1173,7 @@
         <p:spPr>
           <a:xfrm>
             <a:off x="5152680" y="1326600"/>
-            <a:ext cx="4426920" cy="1568520"/>
+            <a:ext cx="4426920" cy="1568160"/>
           </a:xfrm>
           <a:prstGeom prst="rect">
             <a:avLst/>
@@ -1202,8 +1202,8 @@
         </p:nvSpPr>
         <p:spPr>
           <a:xfrm>
-            <a:off x="5152680" y="3044520"/>
-            <a:ext cx="4426920" cy="1568520"/>
+            <a:off x="5152680" y="3044160"/>
+            <a:ext cx="4426920" cy="1568160"/>
           </a:xfrm>
           <a:prstGeom prst="rect">
             <a:avLst/>
@@ -1255,7 +1255,7 @@
         <p:spPr>
           <a:xfrm>
             <a:off x="504000" y="226080"/>
-            <a:ext cx="9071280" cy="946080"/>
+            <a:ext cx="9070920" cy="945720"/>
           </a:xfrm>
           <a:prstGeom prst="rect">
             <a:avLst/>
@@ -1286,7 +1286,7 @@
         <p:spPr>
           <a:xfrm>
             <a:off x="504000" y="1326600"/>
-            <a:ext cx="4426920" cy="1568520"/>
+            <a:ext cx="4426920" cy="1568160"/>
           </a:xfrm>
           <a:prstGeom prst="rect">
             <a:avLst/>
@@ -1316,7 +1316,7 @@
         <p:spPr>
           <a:xfrm>
             <a:off x="5152680" y="1326600"/>
-            <a:ext cx="4426920" cy="1568520"/>
+            <a:ext cx="4426920" cy="1568160"/>
           </a:xfrm>
           <a:prstGeom prst="rect">
             <a:avLst/>
@@ -1345,8 +1345,8 @@
         </p:nvSpPr>
         <p:spPr>
           <a:xfrm>
-            <a:off x="504000" y="3044520"/>
-            <a:ext cx="9072000" cy="1568520"/>
+            <a:off x="504000" y="3044160"/>
+            <a:ext cx="9071640" cy="1568160"/>
           </a:xfrm>
           <a:prstGeom prst="rect">
             <a:avLst/>
@@ -1398,7 +1398,7 @@
         <p:spPr>
           <a:xfrm>
             <a:off x="504000" y="226080"/>
-            <a:ext cx="9071280" cy="946080"/>
+            <a:ext cx="9070920" cy="945720"/>
           </a:xfrm>
           <a:prstGeom prst="rect">
             <a:avLst/>
@@ -1434,7 +1434,7 @@
         <p:spPr>
           <a:xfrm>
             <a:off x="504000" y="1326600"/>
-            <a:ext cx="9072000" cy="3288600"/>
+            <a:ext cx="9071640" cy="3288240"/>
           </a:xfrm>
           <a:prstGeom prst="rect">
             <a:avLst/>
@@ -1457,12 +1457,12 @@
               <a:buChar char=""/>
             </a:pPr>
             <a:r>
-              <a:rPr b="0" lang="en-US" sz="3200" spc="-1" strike="noStrike">
+              <a:rPr b="0" lang="en-US" sz="1800" spc="-1" strike="noStrike">
                 <a:latin typeface="Arial"/>
               </a:rPr>
               <a:t>Click to edit the outline text format</a:t>
             </a:r>
-            <a:endParaRPr b="0" lang="en-US" sz="3200" spc="-1" strike="noStrike">
+            <a:endParaRPr b="0" lang="en-US" sz="1800" spc="-1" strike="noStrike">
               <a:latin typeface="Arial"/>
             </a:endParaRPr>
           </a:p>
@@ -1479,12 +1479,12 @@
               <a:buChar char=""/>
             </a:pPr>
             <a:r>
-              <a:rPr b="0" lang="en-US" sz="2800" spc="-1" strike="noStrike">
+              <a:rPr b="0" lang="en-US" sz="1800" spc="-1" strike="noStrike">
                 <a:latin typeface="Arial"/>
               </a:rPr>
               <a:t>Second Outline Level</a:t>
             </a:r>
-            <a:endParaRPr b="0" lang="en-US" sz="2800" spc="-1" strike="noStrike">
+            <a:endParaRPr b="0" lang="en-US" sz="1800" spc="-1" strike="noStrike">
               <a:latin typeface="Arial"/>
             </a:endParaRPr>
           </a:p>
@@ -1501,12 +1501,12 @@
               <a:buChar char=""/>
             </a:pPr>
             <a:r>
-              <a:rPr b="0" lang="en-US" sz="2400" spc="-1" strike="noStrike">
+              <a:rPr b="0" lang="en-US" sz="1800" spc="-1" strike="noStrike">
                 <a:latin typeface="Arial"/>
               </a:rPr>
               <a:t>Third Outline Level</a:t>
             </a:r>
-            <a:endParaRPr b="0" lang="en-US" sz="2400" spc="-1" strike="noStrike">
+            <a:endParaRPr b="0" lang="en-US" sz="1800" spc="-1" strike="noStrike">
               <a:latin typeface="Arial"/>
             </a:endParaRPr>
           </a:p>
@@ -1523,12 +1523,12 @@
               <a:buChar char=""/>
             </a:pPr>
             <a:r>
-              <a:rPr b="0" lang="en-US" sz="2000" spc="-1" strike="noStrike">
+              <a:rPr b="0" lang="en-US" sz="1800" spc="-1" strike="noStrike">
                 <a:latin typeface="Arial"/>
               </a:rPr>
               <a:t>Fourth Outline Level</a:t>
             </a:r>
-            <a:endParaRPr b="0" lang="en-US" sz="2000" spc="-1" strike="noStrike">
+            <a:endParaRPr b="0" lang="en-US" sz="1800" spc="-1" strike="noStrike">
               <a:latin typeface="Arial"/>
             </a:endParaRPr>
           </a:p>
@@ -1545,12 +1545,12 @@
               <a:buChar char=""/>
             </a:pPr>
             <a:r>
-              <a:rPr b="0" lang="en-US" sz="2000" spc="-1" strike="noStrike">
+              <a:rPr b="0" lang="en-US" sz="1800" spc="-1" strike="noStrike">
                 <a:latin typeface="Arial"/>
               </a:rPr>
               <a:t>Fifth Outline Level</a:t>
             </a:r>
-            <a:endParaRPr b="0" lang="en-US" sz="2000" spc="-1" strike="noStrike">
+            <a:endParaRPr b="0" lang="en-US" sz="1800" spc="-1" strike="noStrike">
               <a:latin typeface="Arial"/>
             </a:endParaRPr>
           </a:p>
@@ -1567,12 +1567,12 @@
               <a:buChar char=""/>
             </a:pPr>
             <a:r>
-              <a:rPr b="0" lang="en-US" sz="2000" spc="-1" strike="noStrike">
+              <a:rPr b="0" lang="en-US" sz="1800" spc="-1" strike="noStrike">
                 <a:latin typeface="Arial"/>
               </a:rPr>
               <a:t>Sixth Outline Level</a:t>
             </a:r>
-            <a:endParaRPr b="0" lang="en-US" sz="2000" spc="-1" strike="noStrike">
+            <a:endParaRPr b="0" lang="en-US" sz="1800" spc="-1" strike="noStrike">
               <a:latin typeface="Arial"/>
             </a:endParaRPr>
           </a:p>
@@ -1589,12 +1589,12 @@
               <a:buChar char=""/>
             </a:pPr>
             <a:r>
-              <a:rPr b="0" lang="en-US" sz="2000" spc="-1" strike="noStrike">
+              <a:rPr b="0" lang="en-US" sz="1800" spc="-1" strike="noStrike">
                 <a:latin typeface="Arial"/>
               </a:rPr>
               <a:t>Seventh Outline Level</a:t>
             </a:r>
-            <a:endParaRPr b="0" lang="en-US" sz="2000" spc="-1" strike="noStrike">
+            <a:endParaRPr b="0" lang="en-US" sz="1800" spc="-1" strike="noStrike">
               <a:latin typeface="Arial"/>
             </a:endParaRPr>
           </a:p>
@@ -1646,7 +1646,7 @@
         <p:spPr>
           <a:xfrm>
             <a:off x="2834640" y="274320"/>
-            <a:ext cx="1280160" cy="457200"/>
+            <a:ext cx="1279800" cy="456840"/>
           </a:xfrm>
           <a:prstGeom prst="rect">
             <a:avLst/>
@@ -1671,10 +1671,18 @@
             <a:noAutofit/>
           </a:bodyPr>
           <a:p>
-            <a:pPr algn="ctr"/>
+            <a:pPr algn="ctr">
+              <a:lnSpc>
+                <a:spcPct val="100000"/>
+              </a:lnSpc>
+            </a:pPr>
             <a:r>
               <a:rPr b="0" lang="en-US" sz="1300" spc="-1" strike="noStrike">
+                <a:solidFill>
+                  <a:srgbClr val="000000"/>
+                </a:solidFill>
                 <a:latin typeface="Arial"/>
+                <a:ea typeface="DejaVu Sans"/>
               </a:rPr>
               <a:t>Takeover service</a:t>
             </a:r>
@@ -1693,7 +1701,7 @@
         <p:spPr>
           <a:xfrm>
             <a:off x="4937760" y="274320"/>
-            <a:ext cx="1280160" cy="457200"/>
+            <a:ext cx="1279800" cy="456840"/>
           </a:xfrm>
           <a:prstGeom prst="rect">
             <a:avLst/>
@@ -1718,10 +1726,18 @@
             <a:noAutofit/>
           </a:bodyPr>
           <a:p>
-            <a:pPr algn="ctr"/>
+            <a:pPr algn="ctr">
+              <a:lnSpc>
+                <a:spcPct val="100000"/>
+              </a:lnSpc>
+            </a:pPr>
             <a:r>
               <a:rPr b="0" lang="en-US" sz="1300" spc="-1" strike="noStrike">
+                <a:solidFill>
+                  <a:srgbClr val="000000"/>
+                </a:solidFill>
                 <a:latin typeface="Arial"/>
+                <a:ea typeface="DejaVu Sans"/>
               </a:rPr>
               <a:t>API service</a:t>
             </a:r>
@@ -1768,7 +1784,7 @@
         <p:spPr>
           <a:xfrm>
             <a:off x="1737360" y="1371600"/>
-            <a:ext cx="1280160" cy="457200"/>
+            <a:ext cx="1279800" cy="456840"/>
           </a:xfrm>
           <a:prstGeom prst="rect">
             <a:avLst/>
@@ -1793,10 +1809,18 @@
             <a:noAutofit/>
           </a:bodyPr>
           <a:p>
-            <a:pPr algn="ctr"/>
+            <a:pPr algn="ctr">
+              <a:lnSpc>
+                <a:spcPct val="100000"/>
+              </a:lnSpc>
+            </a:pPr>
             <a:r>
               <a:rPr b="0" lang="en-US" sz="1300" spc="-1" strike="noStrike">
+                <a:solidFill>
+                  <a:srgbClr val="000000"/>
+                </a:solidFill>
                 <a:latin typeface="Arial"/>
+                <a:ea typeface="DejaVu Sans"/>
               </a:rPr>
               <a:t>App Component</a:t>
             </a:r>
@@ -1843,7 +1867,7 @@
         <p:spPr>
           <a:xfrm>
             <a:off x="3383280" y="1920240"/>
-            <a:ext cx="1280160" cy="457200"/>
+            <a:ext cx="1279800" cy="456840"/>
           </a:xfrm>
           <a:prstGeom prst="rect">
             <a:avLst/>
@@ -1868,10 +1892,18 @@
             <a:noAutofit/>
           </a:bodyPr>
           <a:p>
-            <a:pPr algn="ctr"/>
+            <a:pPr algn="ctr">
+              <a:lnSpc>
+                <a:spcPct val="100000"/>
+              </a:lnSpc>
+            </a:pPr>
             <a:r>
               <a:rPr b="0" lang="en-US" sz="1300" spc="-1" strike="noStrike">
+                <a:solidFill>
+                  <a:srgbClr val="000000"/>
+                </a:solidFill>
                 <a:latin typeface="Arial"/>
+                <a:ea typeface="DejaVu Sans"/>
               </a:rPr>
               <a:t>Takeover</a:t>
             </a:r>
@@ -1880,10 +1912,18 @@
             </a:endParaRPr>
           </a:p>
           <a:p>
-            <a:pPr algn="ctr"/>
+            <a:pPr algn="ctr">
+              <a:lnSpc>
+                <a:spcPct val="100000"/>
+              </a:lnSpc>
+            </a:pPr>
             <a:r>
               <a:rPr b="0" lang="en-US" sz="1300" spc="-1" strike="noStrike">
+                <a:solidFill>
+                  <a:srgbClr val="000000"/>
+                </a:solidFill>
                 <a:latin typeface="Arial"/>
+                <a:ea typeface="DejaVu Sans"/>
               </a:rPr>
               <a:t>Component</a:t>
             </a:r>
@@ -1902,7 +1942,7 @@
         <p:spPr>
           <a:xfrm>
             <a:off x="5029200" y="1920240"/>
-            <a:ext cx="1280160" cy="457200"/>
+            <a:ext cx="1279800" cy="456840"/>
           </a:xfrm>
           <a:prstGeom prst="rect">
             <a:avLst/>
@@ -1927,10 +1967,18 @@
             <a:noAutofit/>
           </a:bodyPr>
           <a:p>
-            <a:pPr algn="ctr"/>
+            <a:pPr algn="ctr">
+              <a:lnSpc>
+                <a:spcPct val="100000"/>
+              </a:lnSpc>
+            </a:pPr>
             <a:r>
               <a:rPr b="0" lang="en-US" sz="1300" spc="-1" strike="noStrike">
+                <a:solidFill>
+                  <a:srgbClr val="000000"/>
+                </a:solidFill>
                 <a:latin typeface="Arial"/>
+                <a:ea typeface="DejaVu Sans"/>
               </a:rPr>
               <a:t>GameDisplay</a:t>
             </a:r>
@@ -1939,10 +1987,18 @@
             </a:endParaRPr>
           </a:p>
           <a:p>
-            <a:pPr algn="ctr"/>
+            <a:pPr algn="ctr">
+              <a:lnSpc>
+                <a:spcPct val="100000"/>
+              </a:lnSpc>
+            </a:pPr>
             <a:r>
               <a:rPr b="0" lang="en-US" sz="1300" spc="-1" strike="noStrike">
+                <a:solidFill>
+                  <a:srgbClr val="000000"/>
+                </a:solidFill>
                 <a:latin typeface="Arial"/>
+                <a:ea typeface="DejaVu Sans"/>
               </a:rPr>
               <a:t>Component</a:t>
             </a:r>
@@ -2046,6 +2102,192 @@
           <a:xfrm flipV="1">
             <a:off x="5669280" y="731520"/>
             <a:ext cx="0" cy="1188720"/>
+          </a:xfrm>
+          <a:prstGeom prst="line">
+            <a:avLst/>
+          </a:prstGeom>
+          <a:ln>
+            <a:solidFill>
+              <a:srgbClr val="3465a4"/>
+            </a:solidFill>
+            <a:headEnd len="med" type="triangle" w="med"/>
+          </a:ln>
+        </p:spPr>
+        <p:style>
+          <a:lnRef idx="0"/>
+          <a:fillRef idx="0"/>
+          <a:effectRef idx="0"/>
+          <a:fontRef idx="minor"/>
+        </p:style>
+      </p:sp>
+      <p:sp>
+        <p:nvSpPr>
+          <p:cNvPr id="49" name="CustomShape 12"/>
+          <p:cNvSpPr/>
+          <p:nvPr/>
+        </p:nvSpPr>
+        <p:spPr>
+          <a:xfrm>
+            <a:off x="6675120" y="274320"/>
+            <a:ext cx="1279800" cy="456840"/>
+          </a:xfrm>
+          <a:prstGeom prst="rect">
+            <a:avLst/>
+          </a:prstGeom>
+          <a:solidFill>
+            <a:srgbClr val="729fcf"/>
+          </a:solidFill>
+          <a:ln>
+            <a:solidFill>
+              <a:srgbClr val="3465a4"/>
+            </a:solidFill>
+          </a:ln>
+        </p:spPr>
+        <p:style>
+          <a:lnRef idx="0"/>
+          <a:fillRef idx="0"/>
+          <a:effectRef idx="0"/>
+          <a:fontRef idx="minor"/>
+        </p:style>
+        <p:txBody>
+          <a:bodyPr wrap="none" lIns="90000" rIns="90000" tIns="45000" bIns="45000" anchor="ctr">
+            <a:noAutofit/>
+          </a:bodyPr>
+          <a:p>
+            <a:pPr algn="ctr">
+              <a:lnSpc>
+                <a:spcPct val="100000"/>
+              </a:lnSpc>
+            </a:pPr>
+            <a:r>
+              <a:rPr b="0" lang="en-US" sz="1300" spc="-1" strike="noStrike">
+                <a:solidFill>
+                  <a:srgbClr val="000000"/>
+                </a:solidFill>
+                <a:latin typeface="Arial"/>
+                <a:ea typeface="DejaVu Sans"/>
+              </a:rPr>
+              <a:t>Camera service</a:t>
+            </a:r>
+            <a:endParaRPr b="0" lang="en-US" sz="1300" spc="-1" strike="noStrike">
+              <a:latin typeface="Arial"/>
+            </a:endParaRPr>
+          </a:p>
+        </p:txBody>
+      </p:sp>
+      <p:sp>
+        <p:nvSpPr>
+          <p:cNvPr id="50" name="Line 13"/>
+          <p:cNvSpPr/>
+          <p:nvPr/>
+        </p:nvSpPr>
+        <p:spPr>
+          <a:xfrm flipV="1">
+            <a:off x="6217920" y="731160"/>
+            <a:ext cx="457200" cy="1189080"/>
+          </a:xfrm>
+          <a:prstGeom prst="line">
+            <a:avLst/>
+          </a:prstGeom>
+          <a:ln>
+            <a:solidFill>
+              <a:srgbClr val="3465a4"/>
+            </a:solidFill>
+            <a:headEnd len="med" type="triangle" w="med"/>
+          </a:ln>
+        </p:spPr>
+        <p:style>
+          <a:lnRef idx="0"/>
+          <a:fillRef idx="0"/>
+          <a:effectRef idx="0"/>
+          <a:fontRef idx="minor"/>
+        </p:style>
+      </p:sp>
+      <p:sp>
+        <p:nvSpPr>
+          <p:cNvPr id="51" name="CustomShape 14"/>
+          <p:cNvSpPr/>
+          <p:nvPr/>
+        </p:nvSpPr>
+        <p:spPr>
+          <a:xfrm>
+            <a:off x="7498080" y="1005840"/>
+            <a:ext cx="1279800" cy="456840"/>
+          </a:xfrm>
+          <a:prstGeom prst="rect">
+            <a:avLst/>
+          </a:prstGeom>
+          <a:solidFill>
+            <a:srgbClr val="729fcf"/>
+          </a:solidFill>
+          <a:ln>
+            <a:solidFill>
+              <a:srgbClr val="3465a4"/>
+            </a:solidFill>
+          </a:ln>
+        </p:spPr>
+        <p:style>
+          <a:lnRef idx="0"/>
+          <a:fillRef idx="0"/>
+          <a:effectRef idx="0"/>
+          <a:fontRef idx="minor"/>
+        </p:style>
+        <p:txBody>
+          <a:bodyPr wrap="none" lIns="90000" rIns="90000" tIns="45000" bIns="45000" anchor="ctr">
+            <a:noAutofit/>
+          </a:bodyPr>
+          <a:p>
+            <a:pPr algn="ctr">
+              <a:lnSpc>
+                <a:spcPct val="100000"/>
+              </a:lnSpc>
+            </a:pPr>
+            <a:r>
+              <a:rPr b="0" lang="en-US" sz="1300" spc="-1" strike="noStrike">
+                <a:solidFill>
+                  <a:srgbClr val="000000"/>
+                </a:solidFill>
+                <a:latin typeface="Arial"/>
+                <a:ea typeface="DejaVu Sans"/>
+              </a:rPr>
+              <a:t>Formatting</a:t>
+            </a:r>
+            <a:endParaRPr b="0" lang="en-US" sz="1300" spc="-1" strike="noStrike">
+              <a:latin typeface="Arial"/>
+            </a:endParaRPr>
+          </a:p>
+          <a:p>
+            <a:pPr algn="ctr">
+              <a:lnSpc>
+                <a:spcPct val="100000"/>
+              </a:lnSpc>
+            </a:pPr>
+            <a:r>
+              <a:rPr b="0" lang="en-US" sz="1300" spc="-1" strike="noStrike">
+                <a:solidFill>
+                  <a:srgbClr val="000000"/>
+                </a:solidFill>
+                <a:latin typeface="Arial"/>
+                <a:ea typeface="DejaVu Sans"/>
+              </a:rPr>
+              <a:t>service</a:t>
+            </a:r>
+            <a:endParaRPr b="0" lang="en-US" sz="1300" spc="-1" strike="noStrike">
+              <a:latin typeface="Arial"/>
+            </a:endParaRPr>
+          </a:p>
+        </p:txBody>
+      </p:sp>
+      <p:sp>
+        <p:nvSpPr>
+          <p:cNvPr id="52" name="Line 15"/>
+          <p:cNvSpPr/>
+          <p:nvPr/>
+        </p:nvSpPr>
+        <p:spPr>
+          <a:xfrm flipV="1">
+            <a:off x="6309000" y="1371600"/>
+            <a:ext cx="1189080" cy="640080"/>
           </a:xfrm>
           <a:prstGeom prst="line">
             <a:avLst/>

--- a/webapp/appclient/src/app/dependancy map.pptx
+++ b/webapp/appclient/src/app/dependancy map.pptx
@@ -53,7 +53,7 @@
       </p:grpSpPr>
       <p:sp>
         <p:nvSpPr>
-          <p:cNvPr id="23" name="PlaceHolder 1"/>
+          <p:cNvPr id="21" name="PlaceHolder 1"/>
           <p:cNvSpPr>
             <a:spLocks noGrp="1"/>
           </p:cNvSpPr>
@@ -64,7 +64,7 @@
         <p:spPr>
           <a:xfrm>
             <a:off x="504000" y="226080"/>
-            <a:ext cx="9070920" cy="945720"/>
+            <a:ext cx="9072000" cy="946440"/>
           </a:xfrm>
           <a:prstGeom prst="rect">
             <a:avLst/>
@@ -84,7 +84,7 @@
       </p:sp>
       <p:sp>
         <p:nvSpPr>
-          <p:cNvPr id="24" name="PlaceHolder 2"/>
+          <p:cNvPr id="22" name="PlaceHolder 2"/>
           <p:cNvSpPr>
             <a:spLocks noGrp="1"/>
           </p:cNvSpPr>
@@ -95,7 +95,7 @@
         <p:spPr>
           <a:xfrm>
             <a:off x="504000" y="1326600"/>
-            <a:ext cx="9071640" cy="1568160"/>
+            <a:ext cx="9072000" cy="1568520"/>
           </a:xfrm>
           <a:prstGeom prst="rect">
             <a:avLst/>
@@ -114,7 +114,7 @@
       </p:sp>
       <p:sp>
         <p:nvSpPr>
-          <p:cNvPr id="25" name="PlaceHolder 3"/>
+          <p:cNvPr id="23" name="PlaceHolder 3"/>
           <p:cNvSpPr>
             <a:spLocks noGrp="1"/>
           </p:cNvSpPr>
@@ -124,8 +124,8 @@
         </p:nvSpPr>
         <p:spPr>
           <a:xfrm>
-            <a:off x="504000" y="3044160"/>
-            <a:ext cx="9071640" cy="1568160"/>
+            <a:off x="504000" y="3044520"/>
+            <a:ext cx="9072000" cy="1568520"/>
           </a:xfrm>
           <a:prstGeom prst="rect">
             <a:avLst/>
@@ -166,7 +166,7 @@
       </p:grpSpPr>
       <p:sp>
         <p:nvSpPr>
-          <p:cNvPr id="26" name="PlaceHolder 1"/>
+          <p:cNvPr id="24" name="PlaceHolder 1"/>
           <p:cNvSpPr>
             <a:spLocks noGrp="1"/>
           </p:cNvSpPr>
@@ -177,7 +177,7 @@
         <p:spPr>
           <a:xfrm>
             <a:off x="504000" y="226080"/>
-            <a:ext cx="9070920" cy="945720"/>
+            <a:ext cx="9072000" cy="946440"/>
           </a:xfrm>
           <a:prstGeom prst="rect">
             <a:avLst/>
@@ -197,7 +197,7 @@
       </p:sp>
       <p:sp>
         <p:nvSpPr>
-          <p:cNvPr id="27" name="PlaceHolder 2"/>
+          <p:cNvPr id="25" name="PlaceHolder 2"/>
           <p:cNvSpPr>
             <a:spLocks noGrp="1"/>
           </p:cNvSpPr>
@@ -208,7 +208,7 @@
         <p:spPr>
           <a:xfrm>
             <a:off x="504000" y="1326600"/>
-            <a:ext cx="4426920" cy="1568160"/>
+            <a:ext cx="4426920" cy="1568520"/>
           </a:xfrm>
           <a:prstGeom prst="rect">
             <a:avLst/>
@@ -227,7 +227,7 @@
       </p:sp>
       <p:sp>
         <p:nvSpPr>
-          <p:cNvPr id="28" name="PlaceHolder 3"/>
+          <p:cNvPr id="26" name="PlaceHolder 3"/>
           <p:cNvSpPr>
             <a:spLocks noGrp="1"/>
           </p:cNvSpPr>
@@ -238,7 +238,7 @@
         <p:spPr>
           <a:xfrm>
             <a:off x="5152680" y="1326600"/>
-            <a:ext cx="4426920" cy="1568160"/>
+            <a:ext cx="4426920" cy="1568520"/>
           </a:xfrm>
           <a:prstGeom prst="rect">
             <a:avLst/>
@@ -257,7 +257,7 @@
       </p:sp>
       <p:sp>
         <p:nvSpPr>
-          <p:cNvPr id="29" name="PlaceHolder 4"/>
+          <p:cNvPr id="27" name="PlaceHolder 4"/>
           <p:cNvSpPr>
             <a:spLocks noGrp="1"/>
           </p:cNvSpPr>
@@ -267,8 +267,8 @@
         </p:nvSpPr>
         <p:spPr>
           <a:xfrm>
-            <a:off x="504000" y="3044160"/>
-            <a:ext cx="4426920" cy="1568160"/>
+            <a:off x="504000" y="3044520"/>
+            <a:ext cx="4426920" cy="1568520"/>
           </a:xfrm>
           <a:prstGeom prst="rect">
             <a:avLst/>
@@ -287,7 +287,7 @@
       </p:sp>
       <p:sp>
         <p:nvSpPr>
-          <p:cNvPr id="30" name="PlaceHolder 5"/>
+          <p:cNvPr id="28" name="PlaceHolder 5"/>
           <p:cNvSpPr>
             <a:spLocks noGrp="1"/>
           </p:cNvSpPr>
@@ -297,8 +297,8 @@
         </p:nvSpPr>
         <p:spPr>
           <a:xfrm>
-            <a:off x="5152680" y="3044160"/>
-            <a:ext cx="4426920" cy="1568160"/>
+            <a:off x="5152680" y="3044520"/>
+            <a:ext cx="4426920" cy="1568520"/>
           </a:xfrm>
           <a:prstGeom prst="rect">
             <a:avLst/>
@@ -339,7 +339,7 @@
       </p:grpSpPr>
       <p:sp>
         <p:nvSpPr>
-          <p:cNvPr id="31" name="PlaceHolder 1"/>
+          <p:cNvPr id="29" name="PlaceHolder 1"/>
           <p:cNvSpPr>
             <a:spLocks noGrp="1"/>
           </p:cNvSpPr>
@@ -350,7 +350,7 @@
         <p:spPr>
           <a:xfrm>
             <a:off x="504000" y="226080"/>
-            <a:ext cx="9070920" cy="945720"/>
+            <a:ext cx="9072000" cy="946440"/>
           </a:xfrm>
           <a:prstGeom prst="rect">
             <a:avLst/>
@@ -370,7 +370,7 @@
       </p:sp>
       <p:sp>
         <p:nvSpPr>
-          <p:cNvPr id="32" name="PlaceHolder 2"/>
+          <p:cNvPr id="30" name="PlaceHolder 2"/>
           <p:cNvSpPr>
             <a:spLocks noGrp="1"/>
           </p:cNvSpPr>
@@ -381,7 +381,7 @@
         <p:spPr>
           <a:xfrm>
             <a:off x="504000" y="1326600"/>
-            <a:ext cx="2920680" cy="1568160"/>
+            <a:ext cx="2921040" cy="1568520"/>
           </a:xfrm>
           <a:prstGeom prst="rect">
             <a:avLst/>
@@ -400,7 +400,7 @@
       </p:sp>
       <p:sp>
         <p:nvSpPr>
-          <p:cNvPr id="33" name="PlaceHolder 3"/>
+          <p:cNvPr id="31" name="PlaceHolder 3"/>
           <p:cNvSpPr>
             <a:spLocks noGrp="1"/>
           </p:cNvSpPr>
@@ -410,8 +410,8 @@
         </p:nvSpPr>
         <p:spPr>
           <a:xfrm>
-            <a:off x="3571200" y="1326600"/>
-            <a:ext cx="2920680" cy="1568160"/>
+            <a:off x="3571560" y="1326600"/>
+            <a:ext cx="2921040" cy="1568520"/>
           </a:xfrm>
           <a:prstGeom prst="rect">
             <a:avLst/>
@@ -430,7 +430,7 @@
       </p:sp>
       <p:sp>
         <p:nvSpPr>
-          <p:cNvPr id="34" name="PlaceHolder 4"/>
+          <p:cNvPr id="32" name="PlaceHolder 4"/>
           <p:cNvSpPr>
             <a:spLocks noGrp="1"/>
           </p:cNvSpPr>
@@ -440,8 +440,8 @@
         </p:nvSpPr>
         <p:spPr>
           <a:xfrm>
-            <a:off x="6638040" y="1326600"/>
-            <a:ext cx="2920680" cy="1568160"/>
+            <a:off x="6639120" y="1326600"/>
+            <a:ext cx="2921040" cy="1568520"/>
           </a:xfrm>
           <a:prstGeom prst="rect">
             <a:avLst/>
@@ -460,7 +460,7 @@
       </p:sp>
       <p:sp>
         <p:nvSpPr>
-          <p:cNvPr id="35" name="PlaceHolder 5"/>
+          <p:cNvPr id="33" name="PlaceHolder 5"/>
           <p:cNvSpPr>
             <a:spLocks noGrp="1"/>
           </p:cNvSpPr>
@@ -470,8 +470,8 @@
         </p:nvSpPr>
         <p:spPr>
           <a:xfrm>
-            <a:off x="504000" y="3044160"/>
-            <a:ext cx="2920680" cy="1568160"/>
+            <a:off x="504000" y="3044520"/>
+            <a:ext cx="2921040" cy="1568520"/>
           </a:xfrm>
           <a:prstGeom prst="rect">
             <a:avLst/>
@@ -490,7 +490,7 @@
       </p:sp>
       <p:sp>
         <p:nvSpPr>
-          <p:cNvPr id="36" name="PlaceHolder 6"/>
+          <p:cNvPr id="34" name="PlaceHolder 6"/>
           <p:cNvSpPr>
             <a:spLocks noGrp="1"/>
           </p:cNvSpPr>
@@ -500,8 +500,8 @@
         </p:nvSpPr>
         <p:spPr>
           <a:xfrm>
-            <a:off x="3571200" y="3044160"/>
-            <a:ext cx="2920680" cy="1568160"/>
+            <a:off x="3571560" y="3044520"/>
+            <a:ext cx="2921040" cy="1568520"/>
           </a:xfrm>
           <a:prstGeom prst="rect">
             <a:avLst/>
@@ -520,7 +520,7 @@
       </p:sp>
       <p:sp>
         <p:nvSpPr>
-          <p:cNvPr id="37" name="PlaceHolder 7"/>
+          <p:cNvPr id="35" name="PlaceHolder 7"/>
           <p:cNvSpPr>
             <a:spLocks noGrp="1"/>
           </p:cNvSpPr>
@@ -530,8 +530,8 @@
         </p:nvSpPr>
         <p:spPr>
           <a:xfrm>
-            <a:off x="6638040" y="3044160"/>
-            <a:ext cx="2920680" cy="1568160"/>
+            <a:off x="6639120" y="3044520"/>
+            <a:ext cx="2921040" cy="1568520"/>
           </a:xfrm>
           <a:prstGeom prst="rect">
             <a:avLst/>
@@ -572,7 +572,7 @@
       </p:grpSpPr>
       <p:sp>
         <p:nvSpPr>
-          <p:cNvPr id="2" name="PlaceHolder 1"/>
+          <p:cNvPr id="0" name="PlaceHolder 1"/>
           <p:cNvSpPr>
             <a:spLocks noGrp="1"/>
           </p:cNvSpPr>
@@ -583,7 +583,7 @@
         <p:spPr>
           <a:xfrm>
             <a:off x="504000" y="226080"/>
-            <a:ext cx="9070920" cy="945720"/>
+            <a:ext cx="9072000" cy="946440"/>
           </a:xfrm>
           <a:prstGeom prst="rect">
             <a:avLst/>
@@ -603,7 +603,7 @@
       </p:sp>
       <p:sp>
         <p:nvSpPr>
-          <p:cNvPr id="3" name="PlaceHolder 2"/>
+          <p:cNvPr id="1" name="PlaceHolder 2"/>
           <p:cNvSpPr>
             <a:spLocks noGrp="1"/>
           </p:cNvSpPr>
@@ -614,7 +614,7 @@
         <p:spPr>
           <a:xfrm>
             <a:off x="504000" y="1326600"/>
-            <a:ext cx="9071640" cy="3288240"/>
+            <a:ext cx="9072000" cy="3288600"/>
           </a:xfrm>
           <a:prstGeom prst="rect">
             <a:avLst/>
@@ -656,7 +656,7 @@
       </p:grpSpPr>
       <p:sp>
         <p:nvSpPr>
-          <p:cNvPr id="4" name="PlaceHolder 1"/>
+          <p:cNvPr id="2" name="PlaceHolder 1"/>
           <p:cNvSpPr>
             <a:spLocks noGrp="1"/>
           </p:cNvSpPr>
@@ -667,7 +667,7 @@
         <p:spPr>
           <a:xfrm>
             <a:off x="504000" y="226080"/>
-            <a:ext cx="9070920" cy="945720"/>
+            <a:ext cx="9072000" cy="946440"/>
           </a:xfrm>
           <a:prstGeom prst="rect">
             <a:avLst/>
@@ -687,7 +687,7 @@
       </p:sp>
       <p:sp>
         <p:nvSpPr>
-          <p:cNvPr id="5" name="PlaceHolder 2"/>
+          <p:cNvPr id="3" name="PlaceHolder 2"/>
           <p:cNvSpPr>
             <a:spLocks noGrp="1"/>
           </p:cNvSpPr>
@@ -698,7 +698,7 @@
         <p:spPr>
           <a:xfrm>
             <a:off x="504000" y="1326600"/>
-            <a:ext cx="9071640" cy="3288240"/>
+            <a:ext cx="9072000" cy="3288600"/>
           </a:xfrm>
           <a:prstGeom prst="rect">
             <a:avLst/>
@@ -739,7 +739,7 @@
       </p:grpSpPr>
       <p:sp>
         <p:nvSpPr>
-          <p:cNvPr id="6" name="PlaceHolder 1"/>
+          <p:cNvPr id="4" name="PlaceHolder 1"/>
           <p:cNvSpPr>
             <a:spLocks noGrp="1"/>
           </p:cNvSpPr>
@@ -750,7 +750,7 @@
         <p:spPr>
           <a:xfrm>
             <a:off x="504000" y="226080"/>
-            <a:ext cx="9070920" cy="945720"/>
+            <a:ext cx="9072000" cy="946440"/>
           </a:xfrm>
           <a:prstGeom prst="rect">
             <a:avLst/>
@@ -770,7 +770,7 @@
       </p:sp>
       <p:sp>
         <p:nvSpPr>
-          <p:cNvPr id="7" name="PlaceHolder 2"/>
+          <p:cNvPr id="5" name="PlaceHolder 2"/>
           <p:cNvSpPr>
             <a:spLocks noGrp="1"/>
           </p:cNvSpPr>
@@ -781,7 +781,7 @@
         <p:spPr>
           <a:xfrm>
             <a:off x="504000" y="1326600"/>
-            <a:ext cx="4426920" cy="3288240"/>
+            <a:ext cx="4426920" cy="3288600"/>
           </a:xfrm>
           <a:prstGeom prst="rect">
             <a:avLst/>
@@ -800,7 +800,7 @@
       </p:sp>
       <p:sp>
         <p:nvSpPr>
-          <p:cNvPr id="8" name="PlaceHolder 3"/>
+          <p:cNvPr id="6" name="PlaceHolder 3"/>
           <p:cNvSpPr>
             <a:spLocks noGrp="1"/>
           </p:cNvSpPr>
@@ -811,7 +811,7 @@
         <p:spPr>
           <a:xfrm>
             <a:off x="5152680" y="1326600"/>
-            <a:ext cx="4426920" cy="3288240"/>
+            <a:ext cx="4426920" cy="3288600"/>
           </a:xfrm>
           <a:prstGeom prst="rect">
             <a:avLst/>
@@ -852,7 +852,7 @@
       </p:grpSpPr>
       <p:sp>
         <p:nvSpPr>
-          <p:cNvPr id="9" name="PlaceHolder 1"/>
+          <p:cNvPr id="7" name="PlaceHolder 1"/>
           <p:cNvSpPr>
             <a:spLocks noGrp="1"/>
           </p:cNvSpPr>
@@ -863,7 +863,7 @@
         <p:spPr>
           <a:xfrm>
             <a:off x="504000" y="226080"/>
-            <a:ext cx="9070920" cy="945720"/>
+            <a:ext cx="9072000" cy="946440"/>
           </a:xfrm>
           <a:prstGeom prst="rect">
             <a:avLst/>
@@ -905,7 +905,7 @@
       </p:grpSpPr>
       <p:sp>
         <p:nvSpPr>
-          <p:cNvPr id="10" name="PlaceHolder 1"/>
+          <p:cNvPr id="8" name="PlaceHolder 1"/>
           <p:cNvSpPr>
             <a:spLocks noGrp="1"/>
           </p:cNvSpPr>
@@ -916,7 +916,7 @@
         <p:spPr>
           <a:xfrm>
             <a:off x="504000" y="226080"/>
-            <a:ext cx="9070920" cy="4385160"/>
+            <a:ext cx="9072000" cy="4388400"/>
           </a:xfrm>
           <a:prstGeom prst="rect">
             <a:avLst/>
@@ -958,7 +958,7 @@
       </p:grpSpPr>
       <p:sp>
         <p:nvSpPr>
-          <p:cNvPr id="11" name="PlaceHolder 1"/>
+          <p:cNvPr id="9" name="PlaceHolder 1"/>
           <p:cNvSpPr>
             <a:spLocks noGrp="1"/>
           </p:cNvSpPr>
@@ -969,7 +969,7 @@
         <p:spPr>
           <a:xfrm>
             <a:off x="504000" y="226080"/>
-            <a:ext cx="9070920" cy="945720"/>
+            <a:ext cx="9072000" cy="946440"/>
           </a:xfrm>
           <a:prstGeom prst="rect">
             <a:avLst/>
@@ -989,7 +989,7 @@
       </p:sp>
       <p:sp>
         <p:nvSpPr>
-          <p:cNvPr id="12" name="PlaceHolder 2"/>
+          <p:cNvPr id="10" name="PlaceHolder 2"/>
           <p:cNvSpPr>
             <a:spLocks noGrp="1"/>
           </p:cNvSpPr>
@@ -1000,7 +1000,7 @@
         <p:spPr>
           <a:xfrm>
             <a:off x="504000" y="1326600"/>
-            <a:ext cx="4426920" cy="1568160"/>
+            <a:ext cx="4426920" cy="1568520"/>
           </a:xfrm>
           <a:prstGeom prst="rect">
             <a:avLst/>
@@ -1019,7 +1019,7 @@
       </p:sp>
       <p:sp>
         <p:nvSpPr>
-          <p:cNvPr id="13" name="PlaceHolder 3"/>
+          <p:cNvPr id="11" name="PlaceHolder 3"/>
           <p:cNvSpPr>
             <a:spLocks noGrp="1"/>
           </p:cNvSpPr>
@@ -1030,7 +1030,7 @@
         <p:spPr>
           <a:xfrm>
             <a:off x="5152680" y="1326600"/>
-            <a:ext cx="4426920" cy="3288240"/>
+            <a:ext cx="4426920" cy="3288600"/>
           </a:xfrm>
           <a:prstGeom prst="rect">
             <a:avLst/>
@@ -1049,7 +1049,7 @@
       </p:sp>
       <p:sp>
         <p:nvSpPr>
-          <p:cNvPr id="14" name="PlaceHolder 4"/>
+          <p:cNvPr id="12" name="PlaceHolder 4"/>
           <p:cNvSpPr>
             <a:spLocks noGrp="1"/>
           </p:cNvSpPr>
@@ -1059,8 +1059,8 @@
         </p:nvSpPr>
         <p:spPr>
           <a:xfrm>
-            <a:off x="504000" y="3044160"/>
-            <a:ext cx="4426920" cy="1568160"/>
+            <a:off x="504000" y="3044520"/>
+            <a:ext cx="4426920" cy="1568520"/>
           </a:xfrm>
           <a:prstGeom prst="rect">
             <a:avLst/>
@@ -1101,7 +1101,7 @@
       </p:grpSpPr>
       <p:sp>
         <p:nvSpPr>
-          <p:cNvPr id="15" name="PlaceHolder 1"/>
+          <p:cNvPr id="13" name="PlaceHolder 1"/>
           <p:cNvSpPr>
             <a:spLocks noGrp="1"/>
           </p:cNvSpPr>
@@ -1112,7 +1112,7 @@
         <p:spPr>
           <a:xfrm>
             <a:off x="504000" y="226080"/>
-            <a:ext cx="9070920" cy="945720"/>
+            <a:ext cx="9072000" cy="946440"/>
           </a:xfrm>
           <a:prstGeom prst="rect">
             <a:avLst/>
@@ -1132,7 +1132,7 @@
       </p:sp>
       <p:sp>
         <p:nvSpPr>
-          <p:cNvPr id="16" name="PlaceHolder 2"/>
+          <p:cNvPr id="14" name="PlaceHolder 2"/>
           <p:cNvSpPr>
             <a:spLocks noGrp="1"/>
           </p:cNvSpPr>
@@ -1143,7 +1143,7 @@
         <p:spPr>
           <a:xfrm>
             <a:off x="504000" y="1326600"/>
-            <a:ext cx="4426920" cy="3288240"/>
+            <a:ext cx="4426920" cy="3288600"/>
           </a:xfrm>
           <a:prstGeom prst="rect">
             <a:avLst/>
@@ -1162,7 +1162,7 @@
       </p:sp>
       <p:sp>
         <p:nvSpPr>
-          <p:cNvPr id="17" name="PlaceHolder 3"/>
+          <p:cNvPr id="15" name="PlaceHolder 3"/>
           <p:cNvSpPr>
             <a:spLocks noGrp="1"/>
           </p:cNvSpPr>
@@ -1173,7 +1173,7 @@
         <p:spPr>
           <a:xfrm>
             <a:off x="5152680" y="1326600"/>
-            <a:ext cx="4426920" cy="1568160"/>
+            <a:ext cx="4426920" cy="1568520"/>
           </a:xfrm>
           <a:prstGeom prst="rect">
             <a:avLst/>
@@ -1192,7 +1192,7 @@
       </p:sp>
       <p:sp>
         <p:nvSpPr>
-          <p:cNvPr id="18" name="PlaceHolder 4"/>
+          <p:cNvPr id="16" name="PlaceHolder 4"/>
           <p:cNvSpPr>
             <a:spLocks noGrp="1"/>
           </p:cNvSpPr>
@@ -1202,8 +1202,8 @@
         </p:nvSpPr>
         <p:spPr>
           <a:xfrm>
-            <a:off x="5152680" y="3044160"/>
-            <a:ext cx="4426920" cy="1568160"/>
+            <a:off x="5152680" y="3044520"/>
+            <a:ext cx="4426920" cy="1568520"/>
           </a:xfrm>
           <a:prstGeom prst="rect">
             <a:avLst/>
@@ -1244,7 +1244,7 @@
       </p:grpSpPr>
       <p:sp>
         <p:nvSpPr>
-          <p:cNvPr id="19" name="PlaceHolder 1"/>
+          <p:cNvPr id="17" name="PlaceHolder 1"/>
           <p:cNvSpPr>
             <a:spLocks noGrp="1"/>
           </p:cNvSpPr>
@@ -1255,7 +1255,7 @@
         <p:spPr>
           <a:xfrm>
             <a:off x="504000" y="226080"/>
-            <a:ext cx="9070920" cy="945720"/>
+            <a:ext cx="9072000" cy="946440"/>
           </a:xfrm>
           <a:prstGeom prst="rect">
             <a:avLst/>
@@ -1275,7 +1275,7 @@
       </p:sp>
       <p:sp>
         <p:nvSpPr>
-          <p:cNvPr id="20" name="PlaceHolder 2"/>
+          <p:cNvPr id="18" name="PlaceHolder 2"/>
           <p:cNvSpPr>
             <a:spLocks noGrp="1"/>
           </p:cNvSpPr>
@@ -1286,7 +1286,7 @@
         <p:spPr>
           <a:xfrm>
             <a:off x="504000" y="1326600"/>
-            <a:ext cx="4426920" cy="1568160"/>
+            <a:ext cx="4426920" cy="1568520"/>
           </a:xfrm>
           <a:prstGeom prst="rect">
             <a:avLst/>
@@ -1305,7 +1305,7 @@
       </p:sp>
       <p:sp>
         <p:nvSpPr>
-          <p:cNvPr id="21" name="PlaceHolder 3"/>
+          <p:cNvPr id="19" name="PlaceHolder 3"/>
           <p:cNvSpPr>
             <a:spLocks noGrp="1"/>
           </p:cNvSpPr>
@@ -1316,7 +1316,7 @@
         <p:spPr>
           <a:xfrm>
             <a:off x="5152680" y="1326600"/>
-            <a:ext cx="4426920" cy="1568160"/>
+            <a:ext cx="4426920" cy="1568520"/>
           </a:xfrm>
           <a:prstGeom prst="rect">
             <a:avLst/>
@@ -1335,7 +1335,7 @@
       </p:sp>
       <p:sp>
         <p:nvSpPr>
-          <p:cNvPr id="22" name="PlaceHolder 4"/>
+          <p:cNvPr id="20" name="PlaceHolder 4"/>
           <p:cNvSpPr>
             <a:spLocks noGrp="1"/>
           </p:cNvSpPr>
@@ -1345,8 +1345,8 @@
         </p:nvSpPr>
         <p:spPr>
           <a:xfrm>
-            <a:off x="504000" y="3044160"/>
-            <a:ext cx="9071640" cy="1568160"/>
+            <a:off x="504000" y="3044520"/>
+            <a:ext cx="9072000" cy="1568520"/>
           </a:xfrm>
           <a:prstGeom prst="rect">
             <a:avLst/>
@@ -1385,221 +1385,6 @@
           <a:chExt cx="0" cy="0"/>
         </a:xfrm>
       </p:grpSpPr>
-      <p:sp>
-        <p:nvSpPr>
-          <p:cNvPr id="0" name="PlaceHolder 1"/>
-          <p:cNvSpPr>
-            <a:spLocks noGrp="1"/>
-          </p:cNvSpPr>
-          <p:nvPr>
-            <p:ph type="title"/>
-          </p:nvPr>
-        </p:nvSpPr>
-        <p:spPr>
-          <a:xfrm>
-            <a:off x="504000" y="226080"/>
-            <a:ext cx="9070920" cy="945720"/>
-          </a:xfrm>
-          <a:prstGeom prst="rect">
-            <a:avLst/>
-          </a:prstGeom>
-        </p:spPr>
-        <p:txBody>
-          <a:bodyPr lIns="0" rIns="0" tIns="0" bIns="0" anchor="ctr">
-            <a:noAutofit/>
-          </a:bodyPr>
-          <a:p>
-            <a:r>
-              <a:rPr b="0" lang="en-US" sz="1800" spc="-1" strike="noStrike">
-                <a:latin typeface="Arial"/>
-              </a:rPr>
-              <a:t>Click to edit the title text format</a:t>
-            </a:r>
-            <a:endParaRPr b="0" lang="en-US" sz="1800" spc="-1" strike="noStrike">
-              <a:latin typeface="Arial"/>
-            </a:endParaRPr>
-          </a:p>
-        </p:txBody>
-      </p:sp>
-      <p:sp>
-        <p:nvSpPr>
-          <p:cNvPr id="1" name="PlaceHolder 2"/>
-          <p:cNvSpPr>
-            <a:spLocks noGrp="1"/>
-          </p:cNvSpPr>
-          <p:nvPr>
-            <p:ph type="body"/>
-          </p:nvPr>
-        </p:nvSpPr>
-        <p:spPr>
-          <a:xfrm>
-            <a:off x="504000" y="1326600"/>
-            <a:ext cx="9071640" cy="3288240"/>
-          </a:xfrm>
-          <a:prstGeom prst="rect">
-            <a:avLst/>
-          </a:prstGeom>
-        </p:spPr>
-        <p:txBody>
-          <a:bodyPr lIns="0" rIns="0" tIns="0" bIns="0">
-            <a:normAutofit/>
-          </a:bodyPr>
-          <a:p>
-            <a:pPr marL="432000" indent="-324000">
-              <a:spcBef>
-                <a:spcPts val="1417"/>
-              </a:spcBef>
-              <a:buClr>
-                <a:srgbClr val="000000"/>
-              </a:buClr>
-              <a:buSzPct val="45000"/>
-              <a:buFont typeface="Wingdings" charset="2"/>
-              <a:buChar char=""/>
-            </a:pPr>
-            <a:r>
-              <a:rPr b="0" lang="en-US" sz="1800" spc="-1" strike="noStrike">
-                <a:latin typeface="Arial"/>
-              </a:rPr>
-              <a:t>Click to edit the outline text format</a:t>
-            </a:r>
-            <a:endParaRPr b="0" lang="en-US" sz="1800" spc="-1" strike="noStrike">
-              <a:latin typeface="Arial"/>
-            </a:endParaRPr>
-          </a:p>
-          <a:p>
-            <a:pPr lvl="1" marL="864000" indent="-324000">
-              <a:spcBef>
-                <a:spcPts val="1134"/>
-              </a:spcBef>
-              <a:buClr>
-                <a:srgbClr val="000000"/>
-              </a:buClr>
-              <a:buSzPct val="75000"/>
-              <a:buFont typeface="Symbol" charset="2"/>
-              <a:buChar char=""/>
-            </a:pPr>
-            <a:r>
-              <a:rPr b="0" lang="en-US" sz="1800" spc="-1" strike="noStrike">
-                <a:latin typeface="Arial"/>
-              </a:rPr>
-              <a:t>Second Outline Level</a:t>
-            </a:r>
-            <a:endParaRPr b="0" lang="en-US" sz="1800" spc="-1" strike="noStrike">
-              <a:latin typeface="Arial"/>
-            </a:endParaRPr>
-          </a:p>
-          <a:p>
-            <a:pPr lvl="2" marL="1296000" indent="-288000">
-              <a:spcBef>
-                <a:spcPts val="850"/>
-              </a:spcBef>
-              <a:buClr>
-                <a:srgbClr val="000000"/>
-              </a:buClr>
-              <a:buSzPct val="45000"/>
-              <a:buFont typeface="Wingdings" charset="2"/>
-              <a:buChar char=""/>
-            </a:pPr>
-            <a:r>
-              <a:rPr b="0" lang="en-US" sz="1800" spc="-1" strike="noStrike">
-                <a:latin typeface="Arial"/>
-              </a:rPr>
-              <a:t>Third Outline Level</a:t>
-            </a:r>
-            <a:endParaRPr b="0" lang="en-US" sz="1800" spc="-1" strike="noStrike">
-              <a:latin typeface="Arial"/>
-            </a:endParaRPr>
-          </a:p>
-          <a:p>
-            <a:pPr lvl="3" marL="1728000" indent="-216000">
-              <a:spcBef>
-                <a:spcPts val="567"/>
-              </a:spcBef>
-              <a:buClr>
-                <a:srgbClr val="000000"/>
-              </a:buClr>
-              <a:buSzPct val="75000"/>
-              <a:buFont typeface="Symbol" charset="2"/>
-              <a:buChar char=""/>
-            </a:pPr>
-            <a:r>
-              <a:rPr b="0" lang="en-US" sz="1800" spc="-1" strike="noStrike">
-                <a:latin typeface="Arial"/>
-              </a:rPr>
-              <a:t>Fourth Outline Level</a:t>
-            </a:r>
-            <a:endParaRPr b="0" lang="en-US" sz="1800" spc="-1" strike="noStrike">
-              <a:latin typeface="Arial"/>
-            </a:endParaRPr>
-          </a:p>
-          <a:p>
-            <a:pPr lvl="4" marL="2160000" indent="-216000">
-              <a:spcBef>
-                <a:spcPts val="283"/>
-              </a:spcBef>
-              <a:buClr>
-                <a:srgbClr val="000000"/>
-              </a:buClr>
-              <a:buSzPct val="45000"/>
-              <a:buFont typeface="Wingdings" charset="2"/>
-              <a:buChar char=""/>
-            </a:pPr>
-            <a:r>
-              <a:rPr b="0" lang="en-US" sz="1800" spc="-1" strike="noStrike">
-                <a:latin typeface="Arial"/>
-              </a:rPr>
-              <a:t>Fifth Outline Level</a:t>
-            </a:r>
-            <a:endParaRPr b="0" lang="en-US" sz="1800" spc="-1" strike="noStrike">
-              <a:latin typeface="Arial"/>
-            </a:endParaRPr>
-          </a:p>
-          <a:p>
-            <a:pPr lvl="5" marL="2592000" indent="-216000">
-              <a:spcBef>
-                <a:spcPts val="283"/>
-              </a:spcBef>
-              <a:buClr>
-                <a:srgbClr val="000000"/>
-              </a:buClr>
-              <a:buSzPct val="45000"/>
-              <a:buFont typeface="Wingdings" charset="2"/>
-              <a:buChar char=""/>
-            </a:pPr>
-            <a:r>
-              <a:rPr b="0" lang="en-US" sz="1800" spc="-1" strike="noStrike">
-                <a:latin typeface="Arial"/>
-              </a:rPr>
-              <a:t>Sixth Outline Level</a:t>
-            </a:r>
-            <a:endParaRPr b="0" lang="en-US" sz="1800" spc="-1" strike="noStrike">
-              <a:latin typeface="Arial"/>
-            </a:endParaRPr>
-          </a:p>
-          <a:p>
-            <a:pPr lvl="6" marL="3024000" indent="-216000">
-              <a:spcBef>
-                <a:spcPts val="283"/>
-              </a:spcBef>
-              <a:buClr>
-                <a:srgbClr val="000000"/>
-              </a:buClr>
-              <a:buSzPct val="45000"/>
-              <a:buFont typeface="Wingdings" charset="2"/>
-              <a:buChar char=""/>
-            </a:pPr>
-            <a:r>
-              <a:rPr b="0" lang="en-US" sz="1800" spc="-1" strike="noStrike">
-                <a:latin typeface="Arial"/>
-              </a:rPr>
-              <a:t>Seventh Outline Level</a:t>
-            </a:r>
-            <a:endParaRPr b="0" lang="en-US" sz="1800" spc="-1" strike="noStrike">
-              <a:latin typeface="Arial"/>
-            </a:endParaRPr>
-          </a:p>
-        </p:txBody>
-      </p:sp>
     </p:spTree>
   </p:cSld>
   <p:clrMap bg1="lt1" bg2="lt2" tx1="dk1" tx2="dk2" accent1="accent1" accent2="accent2" accent3="accent3" accent4="accent4" accent5="accent5" accent6="accent6" hlink="hlink" folHlink="folHlink"/>
@@ -1639,14 +1424,14 @@
       </p:grpSpPr>
       <p:sp>
         <p:nvSpPr>
-          <p:cNvPr id="38" name="CustomShape 1"/>
+          <p:cNvPr id="36" name="CustomShape 1"/>
           <p:cNvSpPr/>
           <p:nvPr/>
         </p:nvSpPr>
         <p:spPr>
           <a:xfrm>
             <a:off x="2834640" y="274320"/>
-            <a:ext cx="1279800" cy="456840"/>
+            <a:ext cx="1279440" cy="456480"/>
           </a:xfrm>
           <a:prstGeom prst="rect">
             <a:avLst/>
@@ -1694,14 +1479,14 @@
       </p:sp>
       <p:sp>
         <p:nvSpPr>
-          <p:cNvPr id="39" name="CustomShape 2"/>
+          <p:cNvPr id="37" name="CustomShape 2"/>
           <p:cNvSpPr/>
           <p:nvPr/>
         </p:nvSpPr>
         <p:spPr>
           <a:xfrm>
             <a:off x="4937760" y="274320"/>
-            <a:ext cx="1279800" cy="456840"/>
+            <a:ext cx="1279440" cy="456480"/>
           </a:xfrm>
           <a:prstGeom prst="rect">
             <a:avLst/>
@@ -1749,7 +1534,7 @@
       </p:sp>
       <p:sp>
         <p:nvSpPr>
-          <p:cNvPr id="40" name="Line 3"/>
+          <p:cNvPr id="38" name="Line 3"/>
           <p:cNvSpPr/>
           <p:nvPr/>
         </p:nvSpPr>
@@ -1777,14 +1562,14 @@
       </p:sp>
       <p:sp>
         <p:nvSpPr>
-          <p:cNvPr id="41" name="CustomShape 4"/>
+          <p:cNvPr id="39" name="CustomShape 4"/>
           <p:cNvSpPr/>
           <p:nvPr/>
         </p:nvSpPr>
         <p:spPr>
           <a:xfrm>
             <a:off x="1737360" y="1371600"/>
-            <a:ext cx="1279800" cy="456840"/>
+            <a:ext cx="1279440" cy="456480"/>
           </a:xfrm>
           <a:prstGeom prst="rect">
             <a:avLst/>
@@ -1832,7 +1617,7 @@
       </p:sp>
       <p:sp>
         <p:nvSpPr>
-          <p:cNvPr id="42" name="Line 5"/>
+          <p:cNvPr id="40" name="Line 5"/>
           <p:cNvSpPr/>
           <p:nvPr/>
         </p:nvSpPr>
@@ -1860,14 +1645,14 @@
       </p:sp>
       <p:sp>
         <p:nvSpPr>
-          <p:cNvPr id="43" name="CustomShape 6"/>
+          <p:cNvPr id="41" name="CustomShape 6"/>
           <p:cNvSpPr/>
           <p:nvPr/>
         </p:nvSpPr>
         <p:spPr>
           <a:xfrm>
             <a:off x="3383280" y="1920240"/>
-            <a:ext cx="1279800" cy="456840"/>
+            <a:ext cx="1279440" cy="456480"/>
           </a:xfrm>
           <a:prstGeom prst="rect">
             <a:avLst/>
@@ -1935,14 +1720,14 @@
       </p:sp>
       <p:sp>
         <p:nvSpPr>
-          <p:cNvPr id="44" name="CustomShape 7"/>
+          <p:cNvPr id="42" name="CustomShape 7"/>
           <p:cNvSpPr/>
           <p:nvPr/>
         </p:nvSpPr>
         <p:spPr>
           <a:xfrm>
             <a:off x="5029200" y="1920240"/>
-            <a:ext cx="1279800" cy="456840"/>
+            <a:ext cx="1279440" cy="456480"/>
           </a:xfrm>
           <a:prstGeom prst="rect">
             <a:avLst/>
@@ -2010,7 +1795,7 @@
       </p:sp>
       <p:sp>
         <p:nvSpPr>
-          <p:cNvPr id="45" name="Line 8"/>
+          <p:cNvPr id="43" name="Line 8"/>
           <p:cNvSpPr/>
           <p:nvPr/>
         </p:nvSpPr>
@@ -2038,7 +1823,7 @@
       </p:sp>
       <p:sp>
         <p:nvSpPr>
-          <p:cNvPr id="46" name="Line 9"/>
+          <p:cNvPr id="44" name="Line 9"/>
           <p:cNvSpPr/>
           <p:nvPr/>
         </p:nvSpPr>
@@ -2066,7 +1851,7 @@
       </p:sp>
       <p:sp>
         <p:nvSpPr>
-          <p:cNvPr id="47" name="Line 10"/>
+          <p:cNvPr id="45" name="Line 10"/>
           <p:cNvSpPr/>
           <p:nvPr/>
         </p:nvSpPr>
@@ -2094,7 +1879,7 @@
       </p:sp>
       <p:sp>
         <p:nvSpPr>
-          <p:cNvPr id="48" name="Line 11"/>
+          <p:cNvPr id="46" name="Line 11"/>
           <p:cNvSpPr/>
           <p:nvPr/>
         </p:nvSpPr>
@@ -2122,14 +1907,14 @@
       </p:sp>
       <p:sp>
         <p:nvSpPr>
-          <p:cNvPr id="49" name="CustomShape 12"/>
+          <p:cNvPr id="47" name="CustomShape 12"/>
           <p:cNvSpPr/>
           <p:nvPr/>
         </p:nvSpPr>
         <p:spPr>
           <a:xfrm>
             <a:off x="6675120" y="274320"/>
-            <a:ext cx="1279800" cy="456840"/>
+            <a:ext cx="1279440" cy="456480"/>
           </a:xfrm>
           <a:prstGeom prst="rect">
             <a:avLst/>
@@ -2177,7 +1962,7 @@
       </p:sp>
       <p:sp>
         <p:nvSpPr>
-          <p:cNvPr id="50" name="Line 13"/>
+          <p:cNvPr id="48" name="Line 13"/>
           <p:cNvSpPr/>
           <p:nvPr/>
         </p:nvSpPr>
@@ -2205,14 +1990,14 @@
       </p:sp>
       <p:sp>
         <p:nvSpPr>
-          <p:cNvPr id="51" name="CustomShape 14"/>
+          <p:cNvPr id="49" name="CustomShape 14"/>
           <p:cNvSpPr/>
           <p:nvPr/>
         </p:nvSpPr>
         <p:spPr>
           <a:xfrm>
             <a:off x="7498080" y="1005840"/>
-            <a:ext cx="1279800" cy="456840"/>
+            <a:ext cx="1279440" cy="456480"/>
           </a:xfrm>
           <a:prstGeom prst="rect">
             <a:avLst/>
@@ -2280,7 +2065,7 @@
       </p:sp>
       <p:sp>
         <p:nvSpPr>
-          <p:cNvPr id="52" name="Line 15"/>
+          <p:cNvPr id="50" name="Line 15"/>
           <p:cNvSpPr/>
           <p:nvPr/>
         </p:nvSpPr>
@@ -2288,6 +2073,34 @@
           <a:xfrm flipV="1">
             <a:off x="6309000" y="1371600"/>
             <a:ext cx="1189080" cy="640080"/>
+          </a:xfrm>
+          <a:prstGeom prst="line">
+            <a:avLst/>
+          </a:prstGeom>
+          <a:ln>
+            <a:solidFill>
+              <a:srgbClr val="3465a4"/>
+            </a:solidFill>
+            <a:headEnd len="med" type="triangle" w="med"/>
+          </a:ln>
+        </p:spPr>
+        <p:style>
+          <a:lnRef idx="0"/>
+          <a:fillRef idx="0"/>
+          <a:effectRef idx="0"/>
+          <a:fontRef idx="minor"/>
+        </p:style>
+      </p:sp>
+      <p:sp>
+        <p:nvSpPr>
+          <p:cNvPr id="51" name="Line 16"/>
+          <p:cNvSpPr/>
+          <p:nvPr/>
+        </p:nvSpPr>
+        <p:spPr>
+          <a:xfrm flipH="1">
+            <a:off x="6217200" y="548640"/>
+            <a:ext cx="466560" cy="0"/>
           </a:xfrm>
           <a:prstGeom prst="line">
             <a:avLst/>

--- a/webapp/appclient/src/app/dependancy map.pptx
+++ b/webapp/appclient/src/app/dependancy map.pptx
@@ -1431,7 +1431,7 @@
         <p:spPr>
           <a:xfrm>
             <a:off x="2834640" y="274320"/>
-            <a:ext cx="1279440" cy="456480"/>
+            <a:ext cx="1279080" cy="456120"/>
           </a:xfrm>
           <a:prstGeom prst="rect">
             <a:avLst/>
@@ -1486,7 +1486,7 @@
         <p:spPr>
           <a:xfrm>
             <a:off x="4937760" y="274320"/>
-            <a:ext cx="1279440" cy="456480"/>
+            <a:ext cx="1279080" cy="456120"/>
           </a:xfrm>
           <a:prstGeom prst="rect">
             <a:avLst/>
@@ -1569,7 +1569,7 @@
         <p:spPr>
           <a:xfrm>
             <a:off x="1737360" y="1371600"/>
-            <a:ext cx="1279440" cy="456480"/>
+            <a:ext cx="1279080" cy="456120"/>
           </a:xfrm>
           <a:prstGeom prst="rect">
             <a:avLst/>
@@ -1652,7 +1652,7 @@
         <p:spPr>
           <a:xfrm>
             <a:off x="3383280" y="1920240"/>
-            <a:ext cx="1279440" cy="456480"/>
+            <a:ext cx="1279080" cy="456120"/>
           </a:xfrm>
           <a:prstGeom prst="rect">
             <a:avLst/>
@@ -1727,7 +1727,7 @@
         <p:spPr>
           <a:xfrm>
             <a:off x="5029200" y="1920240"/>
-            <a:ext cx="1279440" cy="456480"/>
+            <a:ext cx="1279080" cy="456120"/>
           </a:xfrm>
           <a:prstGeom prst="rect">
             <a:avLst/>
@@ -1765,7 +1765,7 @@
                 <a:latin typeface="Arial"/>
                 <a:ea typeface="DejaVu Sans"/>
               </a:rPr>
-              <a:t>GameDisplay</a:t>
+              <a:t>Game-display</a:t>
             </a:r>
             <a:endParaRPr b="0" lang="en-US" sz="1300" spc="-1" strike="noStrike">
               <a:latin typeface="Arial"/>
@@ -1914,7 +1914,7 @@
         <p:spPr>
           <a:xfrm>
             <a:off x="6675120" y="274320"/>
-            <a:ext cx="1279440" cy="456480"/>
+            <a:ext cx="1279080" cy="456120"/>
           </a:xfrm>
           <a:prstGeom prst="rect">
             <a:avLst/>
@@ -1997,7 +1997,7 @@
         <p:spPr>
           <a:xfrm>
             <a:off x="7498080" y="1005840"/>
-            <a:ext cx="1279440" cy="456480"/>
+            <a:ext cx="1279080" cy="456120"/>
           </a:xfrm>
           <a:prstGeom prst="rect">
             <a:avLst/>
@@ -2101,6 +2101,248 @@
           <a:xfrm flipH="1">
             <a:off x="6217200" y="548640"/>
             <a:ext cx="466560" cy="0"/>
+          </a:xfrm>
+          <a:prstGeom prst="line">
+            <a:avLst/>
+          </a:prstGeom>
+          <a:ln>
+            <a:solidFill>
+              <a:srgbClr val="3465a4"/>
+            </a:solidFill>
+            <a:headEnd len="med" type="triangle" w="med"/>
+          </a:ln>
+        </p:spPr>
+        <p:style>
+          <a:lnRef idx="0"/>
+          <a:fillRef idx="0"/>
+          <a:effectRef idx="0"/>
+          <a:fontRef idx="minor"/>
+        </p:style>
+      </p:sp>
+      <p:sp>
+        <p:nvSpPr>
+          <p:cNvPr id="52" name="CustomShape 17"/>
+          <p:cNvSpPr/>
+          <p:nvPr/>
+        </p:nvSpPr>
+        <p:spPr>
+          <a:xfrm>
+            <a:off x="4206240" y="3110040"/>
+            <a:ext cx="1279080" cy="456120"/>
+          </a:xfrm>
+          <a:prstGeom prst="rect">
+            <a:avLst/>
+          </a:prstGeom>
+          <a:solidFill>
+            <a:srgbClr val="d4ea6b"/>
+          </a:solidFill>
+          <a:ln>
+            <a:solidFill>
+              <a:srgbClr val="3465a4"/>
+            </a:solidFill>
+          </a:ln>
+        </p:spPr>
+        <p:style>
+          <a:lnRef idx="0"/>
+          <a:fillRef idx="0"/>
+          <a:effectRef idx="0"/>
+          <a:fontRef idx="minor"/>
+        </p:style>
+        <p:txBody>
+          <a:bodyPr wrap="none" lIns="90000" rIns="90000" tIns="45000" bIns="45000" anchor="ctr">
+            <a:noAutofit/>
+          </a:bodyPr>
+          <a:p>
+            <a:pPr algn="ctr">
+              <a:lnSpc>
+                <a:spcPct val="100000"/>
+              </a:lnSpc>
+            </a:pPr>
+            <a:r>
+              <a:rPr b="0" lang="en-US" sz="1300" spc="-1" strike="noStrike">
+                <a:solidFill>
+                  <a:srgbClr val="000000"/>
+                </a:solidFill>
+                <a:latin typeface="Arial"/>
+                <a:ea typeface="DejaVu Sans"/>
+              </a:rPr>
+              <a:t>Scanner Pane</a:t>
+            </a:r>
+            <a:endParaRPr b="0" lang="en-US" sz="1300" spc="-1" strike="noStrike">
+              <a:latin typeface="Arial"/>
+            </a:endParaRPr>
+          </a:p>
+          <a:p>
+            <a:pPr algn="ctr">
+              <a:lnSpc>
+                <a:spcPct val="100000"/>
+              </a:lnSpc>
+            </a:pPr>
+            <a:r>
+              <a:rPr b="0" lang="en-US" sz="1300" spc="-1" strike="noStrike">
+                <a:solidFill>
+                  <a:srgbClr val="000000"/>
+                </a:solidFill>
+                <a:latin typeface="Arial"/>
+                <a:ea typeface="DejaVu Sans"/>
+              </a:rPr>
+              <a:t>Component</a:t>
+            </a:r>
+            <a:endParaRPr b="0" lang="en-US" sz="1300" spc="-1" strike="noStrike">
+              <a:latin typeface="Arial"/>
+            </a:endParaRPr>
+          </a:p>
+        </p:txBody>
+      </p:sp>
+      <p:sp>
+        <p:nvSpPr>
+          <p:cNvPr id="53" name="CustomShape 18"/>
+          <p:cNvSpPr/>
+          <p:nvPr/>
+        </p:nvSpPr>
+        <p:spPr>
+          <a:xfrm>
+            <a:off x="1921320" y="3018600"/>
+            <a:ext cx="1279080" cy="456120"/>
+          </a:xfrm>
+          <a:prstGeom prst="rect">
+            <a:avLst/>
+          </a:prstGeom>
+          <a:solidFill>
+            <a:srgbClr val="729fcf"/>
+          </a:solidFill>
+          <a:ln>
+            <a:solidFill>
+              <a:srgbClr val="3465a4"/>
+            </a:solidFill>
+          </a:ln>
+        </p:spPr>
+        <p:style>
+          <a:lnRef idx="0"/>
+          <a:fillRef idx="0"/>
+          <a:effectRef idx="0"/>
+          <a:fontRef idx="minor"/>
+        </p:style>
+        <p:txBody>
+          <a:bodyPr wrap="none" lIns="90000" rIns="90000" tIns="45000" bIns="45000" anchor="ctr">
+            <a:noAutofit/>
+          </a:bodyPr>
+          <a:p>
+            <a:pPr algn="ctr">
+              <a:lnSpc>
+                <a:spcPct val="100000"/>
+              </a:lnSpc>
+            </a:pPr>
+            <a:r>
+              <a:rPr b="0" lang="en-US" sz="1300" spc="-1" strike="noStrike">
+                <a:solidFill>
+                  <a:srgbClr val="000000"/>
+                </a:solidFill>
+                <a:latin typeface="Arial"/>
+                <a:ea typeface="DejaVu Sans"/>
+              </a:rPr>
+              <a:t>Pane service</a:t>
+            </a:r>
+            <a:endParaRPr b="0" lang="en-US" sz="1300" spc="-1" strike="noStrike">
+              <a:latin typeface="Arial"/>
+            </a:endParaRPr>
+          </a:p>
+        </p:txBody>
+      </p:sp>
+      <p:sp>
+        <p:nvSpPr>
+          <p:cNvPr id="54" name="Line 19"/>
+          <p:cNvSpPr/>
+          <p:nvPr/>
+        </p:nvSpPr>
+        <p:spPr>
+          <a:xfrm flipH="1" flipV="1">
+            <a:off x="3200400" y="3200400"/>
+            <a:ext cx="1005840" cy="182880"/>
+          </a:xfrm>
+          <a:prstGeom prst="line">
+            <a:avLst/>
+          </a:prstGeom>
+          <a:ln>
+            <a:solidFill>
+              <a:srgbClr val="3465a4"/>
+            </a:solidFill>
+            <a:headEnd len="med" type="triangle" w="med"/>
+          </a:ln>
+        </p:spPr>
+        <p:style>
+          <a:lnRef idx="0"/>
+          <a:fillRef idx="0"/>
+          <a:effectRef idx="0"/>
+          <a:fontRef idx="minor"/>
+        </p:style>
+      </p:sp>
+      <p:sp>
+        <p:nvSpPr>
+          <p:cNvPr id="55" name="Line 20"/>
+          <p:cNvSpPr/>
+          <p:nvPr/>
+        </p:nvSpPr>
+        <p:spPr>
+          <a:xfrm flipV="1">
+            <a:off x="4572000" y="730440"/>
+            <a:ext cx="548640" cy="2378520"/>
+          </a:xfrm>
+          <a:prstGeom prst="line">
+            <a:avLst/>
+          </a:prstGeom>
+          <a:ln>
+            <a:solidFill>
+              <a:srgbClr val="3465a4"/>
+            </a:solidFill>
+            <a:headEnd len="med" type="triangle" w="med"/>
+          </a:ln>
+        </p:spPr>
+        <p:style>
+          <a:lnRef idx="0"/>
+          <a:fillRef idx="0"/>
+          <a:effectRef idx="0"/>
+          <a:fontRef idx="minor"/>
+        </p:style>
+      </p:sp>
+      <p:sp>
+        <p:nvSpPr>
+          <p:cNvPr id="56" name="Line 21"/>
+          <p:cNvSpPr/>
+          <p:nvPr/>
+        </p:nvSpPr>
+        <p:spPr>
+          <a:xfrm flipV="1">
+            <a:off x="5120640" y="2376360"/>
+            <a:ext cx="457200" cy="732600"/>
+          </a:xfrm>
+          <a:prstGeom prst="line">
+            <a:avLst/>
+          </a:prstGeom>
+          <a:ln>
+            <a:solidFill>
+              <a:srgbClr val="3465a4"/>
+            </a:solidFill>
+            <a:headEnd len="med" type="triangle" w="med"/>
+          </a:ln>
+        </p:spPr>
+        <p:style>
+          <a:lnRef idx="0"/>
+          <a:fillRef idx="0"/>
+          <a:effectRef idx="0"/>
+          <a:fontRef idx="minor"/>
+        </p:style>
+      </p:sp>
+      <p:sp>
+        <p:nvSpPr>
+          <p:cNvPr id="57" name="Line 22"/>
+          <p:cNvSpPr/>
+          <p:nvPr/>
+        </p:nvSpPr>
+        <p:spPr>
+          <a:xfrm flipH="1">
+            <a:off x="3200400" y="2376360"/>
+            <a:ext cx="1828800" cy="835920"/>
           </a:xfrm>
           <a:prstGeom prst="line">
             <a:avLst/>
